--- a/Document/SlideWeek3/Mẫu/Em Giang -Bilateral filter v2.pptx
+++ b/Document/SlideWeek3/Mẫu/Em Giang -Bilateral filter v2.pptx
@@ -229,7 +229,7 @@
           <a:p>
             <a:fld id="{F4A1710C-E96D-4219-9972-6C89AD304D80}" type="datetimeFigureOut">
               <a:rPr lang="en-US" smtClean="0"/>
-              <a:t>7/17/2024</a:t>
+              <a:t>5/26/2025</a:t>
             </a:fld>
             <a:endParaRPr lang="en-US"/>
           </a:p>
@@ -406,7 +406,7 @@
           <a:p>
             <a:fld id="{11843850-B4DE-46E8-8A35-6FFD12F87E27}" type="datetimeFigureOut">
               <a:rPr lang="en-US" smtClean="0"/>
-              <a:t>7/17/2024</a:t>
+              <a:t>5/26/2025</a:t>
             </a:fld>
             <a:endParaRPr lang="en-US"/>
           </a:p>
@@ -3756,14 +3756,14 @@
           <p:nvPr>
             <p:extLst>
               <p:ext uri="{D42A27DB-BD31-4B8C-83A1-F6EECF244321}">
-                <p14:modId xmlns:p14="http://schemas.microsoft.com/office/powerpoint/2010/main" val="2454310424"/>
+                <p14:modId xmlns:p14="http://schemas.microsoft.com/office/powerpoint/2010/main" val="2060615157"/>
               </p:ext>
             </p:extLst>
           </p:nvPr>
         </p:nvGraphicFramePr>
         <p:xfrm>
-          <a:off x="865925" y="940526"/>
-          <a:ext cx="10185251" cy="3942080"/>
+          <a:off x="545477" y="1470212"/>
+          <a:ext cx="10967487" cy="2403424"/>
         </p:xfrm>
         <a:graphic>
           <a:graphicData uri="http://schemas.openxmlformats.org/drawingml/2006/table">
@@ -3772,14 +3772,14 @@
                 <a:tableStyleId>{5C22544A-7EE6-4342-B048-85BDC9FD1C3A}</a:tableStyleId>
               </a:tblPr>
               <a:tblGrid>
-                <a:gridCol w="8182281">
+                <a:gridCol w="8810687">
                   <a:extLst>
                     <a:ext uri="{9D8B030D-6E8A-4147-A177-3AD203B41FA5}">
                       <a16:colId xmlns:a16="http://schemas.microsoft.com/office/drawing/2014/main" val="1474966199"/>
                     </a:ext>
                   </a:extLst>
                 </a:gridCol>
-                <a:gridCol w="2002970">
+                <a:gridCol w="2156800">
                   <a:extLst>
                     <a:ext uri="{9D8B030D-6E8A-4147-A177-3AD203B41FA5}">
                       <a16:colId xmlns:a16="http://schemas.microsoft.com/office/drawing/2014/main" val="83245349"/>
@@ -3787,7 +3787,7 @@
                   </a:extLst>
                 </a:gridCol>
               </a:tblGrid>
-              <a:tr h="262885">
+              <a:tr h="368184">
                 <a:tc>
                   <a:txBody>
                     <a:bodyPr/>
@@ -3820,7 +3820,7 @@
                   </a:ext>
                 </a:extLst>
               </a:tr>
-              <a:tr h="370840">
+              <a:tr h="373298">
                 <a:tc>
                   <a:txBody>
                     <a:bodyPr/>
@@ -3849,8 +3849,13 @@
                     <a:p>
                       <a:r>
                         <a:rPr lang="en-US" dirty="0"/>
-                        <a:t>150,94ms</a:t>
+                        <a:t> 1 </a:t>
                       </a:r>
+                      <a:r>
+                        <a:rPr lang="en-US" dirty="0" err="1"/>
+                        <a:t>ms</a:t>
+                      </a:r>
+                      <a:endParaRPr lang="en-US" dirty="0"/>
                     </a:p>
                   </a:txBody>
                   <a:tcPr/>
@@ -3861,7 +3866,7 @@
                   </a:ext>
                 </a:extLst>
               </a:tr>
-              <a:tr h="370840">
+              <a:tr h="644322">
                 <a:tc>
                   <a:txBody>
                     <a:bodyPr/>
@@ -3882,8 +3887,13 @@
                     <a:p>
                       <a:r>
                         <a:rPr lang="en-US" dirty="0"/>
-                        <a:t>1482,73ms</a:t>
+                        <a:t>1590 </a:t>
                       </a:r>
+                      <a:r>
+                        <a:rPr lang="en-US" dirty="0" err="1"/>
+                        <a:t>ms</a:t>
+                      </a:r>
+                      <a:endParaRPr lang="en-US" dirty="0"/>
                     </a:p>
                   </a:txBody>
                   <a:tcPr/>
@@ -3894,60 +3904,7 @@
                   </a:ext>
                 </a:extLst>
               </a:tr>
-              <a:tr h="370840">
-                <a:tc>
-                  <a:txBody>
-                    <a:bodyPr/>
-                    <a:lstStyle/>
-                    <a:p>
-                      <a:pPr marL="0" marR="0" lvl="0" indent="0" algn="l" defTabSz="914400" rtl="0" eaLnBrk="1" fontAlgn="auto" latinLnBrk="0" hangingPunct="1">
-                        <a:lnSpc>
-                          <a:spcPct val="100000"/>
-                        </a:lnSpc>
-                        <a:spcBef>
-                          <a:spcPts val="0"/>
-                        </a:spcBef>
-                        <a:spcAft>
-                          <a:spcPts val="0"/>
-                        </a:spcAft>
-                        <a:buClrTx/>
-                        <a:buSzTx/>
-                        <a:buFontTx/>
-                        <a:buNone/>
-                        <a:tabLst/>
-                        <a:defRPr/>
-                      </a:pPr>
-                      <a:r>
-                        <a:rPr lang="en-US" dirty="0"/>
-                        <a:t>Bilateral Filter My implementation 1Thread (kernel 31x31 sigma space = 15, sigma color = 75)</a:t>
-                      </a:r>
-                    </a:p>
-                    <a:p>
-                      <a:endParaRPr lang="en-US" dirty="0"/>
-                    </a:p>
-                  </a:txBody>
-                  <a:tcPr/>
-                </a:tc>
-                <a:tc>
-                  <a:txBody>
-                    <a:bodyPr/>
-                    <a:lstStyle/>
-                    <a:p>
-                      <a:r>
-                        <a:rPr lang="en-US" dirty="0"/>
-                        <a:t>12266.5ms</a:t>
-                      </a:r>
-                    </a:p>
-                  </a:txBody>
-                  <a:tcPr/>
-                </a:tc>
-                <a:extLst>
-                  <a:ext uri="{0D108BD9-81ED-4DB2-BD59-A6C34878D82A}">
-                    <a16:rowId xmlns:a16="http://schemas.microsoft.com/office/drawing/2014/main" val="2887853499"/>
-                  </a:ext>
-                </a:extLst>
-              </a:tr>
-              <a:tr h="370840">
+              <a:tr h="373298">
                 <a:tc>
                   <a:txBody>
                     <a:bodyPr/>
@@ -3976,7 +3933,7 @@
                     <a:p>
                       <a:r>
                         <a:rPr lang="en-US" dirty="0"/>
-                        <a:t>90.98ms</a:t>
+                        <a:t>4ms</a:t>
                       </a:r>
                     </a:p>
                   </a:txBody>
@@ -3988,7 +3945,7 @@
                   </a:ext>
                 </a:extLst>
               </a:tr>
-              <a:tr h="370840">
+              <a:tr h="644322">
                 <a:tc>
                   <a:txBody>
                     <a:bodyPr/>
@@ -4029,7 +3986,7 @@
                     <a:p>
                       <a:r>
                         <a:rPr lang="en-US" dirty="0"/>
-                        <a:t>710,685ms</a:t>
+                        <a:t>18ms</a:t>
                       </a:r>
                     </a:p>
                   </a:txBody>
@@ -4038,59 +3995,6 @@
                 <a:extLst>
                   <a:ext uri="{0D108BD9-81ED-4DB2-BD59-A6C34878D82A}">
                     <a16:rowId xmlns:a16="http://schemas.microsoft.com/office/drawing/2014/main" val="1894757575"/>
-                  </a:ext>
-                </a:extLst>
-              </a:tr>
-              <a:tr h="370840">
-                <a:tc>
-                  <a:txBody>
-                    <a:bodyPr/>
-                    <a:lstStyle/>
-                    <a:p>
-                      <a:pPr marL="0" marR="0" lvl="0" indent="0" algn="l" defTabSz="914400" rtl="0" eaLnBrk="1" fontAlgn="auto" latinLnBrk="0" hangingPunct="1">
-                        <a:lnSpc>
-                          <a:spcPct val="100000"/>
-                        </a:lnSpc>
-                        <a:spcBef>
-                          <a:spcPts val="0"/>
-                        </a:spcBef>
-                        <a:spcAft>
-                          <a:spcPts val="0"/>
-                        </a:spcAft>
-                        <a:buClrTx/>
-                        <a:buSzTx/>
-                        <a:buFontTx/>
-                        <a:buNone/>
-                        <a:tabLst/>
-                        <a:defRPr/>
-                      </a:pPr>
-                      <a:r>
-                        <a:rPr lang="en-US" dirty="0"/>
-                        <a:t>Gaussian Filter My implementation 1Thread (kernel 31x31 sigma space = 15)</a:t>
-                      </a:r>
-                    </a:p>
-                    <a:p>
-                      <a:endParaRPr lang="en-US" dirty="0"/>
-                    </a:p>
-                  </a:txBody>
-                  <a:tcPr/>
-                </a:tc>
-                <a:tc>
-                  <a:txBody>
-                    <a:bodyPr/>
-                    <a:lstStyle/>
-                    <a:p>
-                      <a:r>
-                        <a:rPr lang="en-US" dirty="0"/>
-                        <a:t>5297,18ms</a:t>
-                      </a:r>
-                    </a:p>
-                  </a:txBody>
-                  <a:tcPr/>
-                </a:tc>
-                <a:extLst>
-                  <a:ext uri="{0D108BD9-81ED-4DB2-BD59-A6C34878D82A}">
-                    <a16:rowId xmlns:a16="http://schemas.microsoft.com/office/drawing/2014/main" val="876949986"/>
                   </a:ext>
                 </a:extLst>
               </a:tr>
